--- a/fall2016/lectures/18-IDS-VPN.pptx
+++ b/fall2016/lectures/18-IDS-VPN.pptx
@@ -268,7 +268,7 @@
           <a:p>
             <a:fld id="{56AABDC3-F33A-F14E-B10B-ACF41794293C}" type="datetimeFigureOut">
               <a:rPr lang="en-US" smtClean="0"/>
-              <a:t>11/30/16</a:t>
+              <a:t>12/4/16</a:t>
             </a:fld>
             <a:endParaRPr lang="en-US"/>
           </a:p>
@@ -1726,7 +1726,15 @@
             </a:pPr>
             <a:r>
               <a:rPr lang="en-US" sz="2800" dirty="0" smtClean="0"/>
-              <a:t>VPN server decrypts outer packet, forwards inner packet</a:t>
+              <a:t>VPN server decrypts outer packet, </a:t>
+            </a:r>
+            <a:r>
+              <a:rPr lang="en-US" sz="2800" dirty="0" smtClean="0"/>
+              <a:t>forwards </a:t>
+            </a:r>
+            <a:r>
+              <a:rPr lang="en-US" sz="2800" dirty="0" smtClean="0"/>
+              <a:t>inner packet</a:t>
             </a:r>
           </a:p>
           <a:p>
@@ -2774,7 +2782,7 @@
           <a:p>
             <a:fld id="{AB492EBA-42DD-B247-A5CA-4B9F9327C47E}" type="datetimeFigureOut">
               <a:rPr lang="en-US" smtClean="0"/>
-              <a:t>11/30/16</a:t>
+              <a:t>12/4/16</a:t>
             </a:fld>
             <a:endParaRPr lang="en-US"/>
           </a:p>
@@ -2944,7 +2952,7 @@
           <a:p>
             <a:fld id="{AB492EBA-42DD-B247-A5CA-4B9F9327C47E}" type="datetimeFigureOut">
               <a:rPr lang="en-US" smtClean="0"/>
-              <a:t>11/30/16</a:t>
+              <a:t>12/4/16</a:t>
             </a:fld>
             <a:endParaRPr lang="en-US"/>
           </a:p>
@@ -3124,7 +3132,7 @@
           <a:p>
             <a:fld id="{AB492EBA-42DD-B247-A5CA-4B9F9327C47E}" type="datetimeFigureOut">
               <a:rPr lang="en-US" smtClean="0"/>
-              <a:t>11/30/16</a:t>
+              <a:t>12/4/16</a:t>
             </a:fld>
             <a:endParaRPr lang="en-US"/>
           </a:p>
@@ -3294,7 +3302,7 @@
           <a:p>
             <a:fld id="{AB492EBA-42DD-B247-A5CA-4B9F9327C47E}" type="datetimeFigureOut">
               <a:rPr lang="en-US" smtClean="0"/>
-              <a:t>11/30/16</a:t>
+              <a:t>12/4/16</a:t>
             </a:fld>
             <a:endParaRPr lang="en-US"/>
           </a:p>
@@ -3540,7 +3548,7 @@
           <a:p>
             <a:fld id="{AB492EBA-42DD-B247-A5CA-4B9F9327C47E}" type="datetimeFigureOut">
               <a:rPr lang="en-US" smtClean="0"/>
-              <a:t>11/30/16</a:t>
+              <a:t>12/4/16</a:t>
             </a:fld>
             <a:endParaRPr lang="en-US"/>
           </a:p>
@@ -3828,7 +3836,7 @@
           <a:p>
             <a:fld id="{AB492EBA-42DD-B247-A5CA-4B9F9327C47E}" type="datetimeFigureOut">
               <a:rPr lang="en-US" smtClean="0"/>
-              <a:t>11/30/16</a:t>
+              <a:t>12/4/16</a:t>
             </a:fld>
             <a:endParaRPr lang="en-US"/>
           </a:p>
@@ -4250,7 +4258,7 @@
           <a:p>
             <a:fld id="{AB492EBA-42DD-B247-A5CA-4B9F9327C47E}" type="datetimeFigureOut">
               <a:rPr lang="en-US" smtClean="0"/>
-              <a:t>11/30/16</a:t>
+              <a:t>12/4/16</a:t>
             </a:fld>
             <a:endParaRPr lang="en-US"/>
           </a:p>
@@ -4368,7 +4376,7 @@
           <a:p>
             <a:fld id="{AB492EBA-42DD-B247-A5CA-4B9F9327C47E}" type="datetimeFigureOut">
               <a:rPr lang="en-US" smtClean="0"/>
-              <a:t>11/30/16</a:t>
+              <a:t>12/4/16</a:t>
             </a:fld>
             <a:endParaRPr lang="en-US"/>
           </a:p>
@@ -4463,7 +4471,7 @@
           <a:p>
             <a:fld id="{AB492EBA-42DD-B247-A5CA-4B9F9327C47E}" type="datetimeFigureOut">
               <a:rPr lang="en-US" smtClean="0"/>
-              <a:t>11/30/16</a:t>
+              <a:t>12/4/16</a:t>
             </a:fld>
             <a:endParaRPr lang="en-US"/>
           </a:p>
@@ -4740,7 +4748,7 @@
           <a:p>
             <a:fld id="{AB492EBA-42DD-B247-A5CA-4B9F9327C47E}" type="datetimeFigureOut">
               <a:rPr lang="en-US" smtClean="0"/>
-              <a:t>11/30/16</a:t>
+              <a:t>12/4/16</a:t>
             </a:fld>
             <a:endParaRPr lang="en-US"/>
           </a:p>
@@ -4993,7 +5001,7 @@
           <a:p>
             <a:fld id="{AB492EBA-42DD-B247-A5CA-4B9F9327C47E}" type="datetimeFigureOut">
               <a:rPr lang="en-US" smtClean="0"/>
-              <a:t>11/30/16</a:t>
+              <a:t>12/4/16</a:t>
             </a:fld>
             <a:endParaRPr lang="en-US"/>
           </a:p>
@@ -5206,7 +5214,7 @@
           <a:p>
             <a:fld id="{AB492EBA-42DD-B247-A5CA-4B9F9327C47E}" type="datetimeFigureOut">
               <a:rPr lang="en-US" smtClean="0"/>
-              <a:t>11/30/16</a:t>
+              <a:t>12/4/16</a:t>
             </a:fld>
             <a:endParaRPr lang="en-US"/>
           </a:p>
